--- a/docs/PowerPoint/MusicLightTiles.pptx
+++ b/docs/PowerPoint/MusicLightTiles.pptx
@@ -5,18 +5,20 @@
     <p:sldMasterId id="2147483846" r:id="rId1"/>
   </p:sldMasterIdLst>
   <p:notesMasterIdLst>
-    <p:notesMasterId r:id="rId11"/>
+    <p:notesMasterId r:id="rId13"/>
   </p:notesMasterIdLst>
   <p:sldIdLst>
     <p:sldId id="256" r:id="rId2"/>
-    <p:sldId id="261" r:id="rId3"/>
-    <p:sldId id="262" r:id="rId4"/>
-    <p:sldId id="263" r:id="rId5"/>
-    <p:sldId id="264" r:id="rId6"/>
-    <p:sldId id="260" r:id="rId7"/>
-    <p:sldId id="257" r:id="rId8"/>
-    <p:sldId id="258" r:id="rId9"/>
-    <p:sldId id="259" r:id="rId10"/>
+    <p:sldId id="265" r:id="rId3"/>
+    <p:sldId id="261" r:id="rId4"/>
+    <p:sldId id="262" r:id="rId5"/>
+    <p:sldId id="263" r:id="rId6"/>
+    <p:sldId id="264" r:id="rId7"/>
+    <p:sldId id="258" r:id="rId8"/>
+    <p:sldId id="260" r:id="rId9"/>
+    <p:sldId id="257" r:id="rId10"/>
+    <p:sldId id="259" r:id="rId11"/>
+    <p:sldId id="266" r:id="rId12"/>
   </p:sldIdLst>
   <p:sldSz cx="12192000" cy="6858000"/>
   <p:notesSz cx="6858000" cy="9144000"/>
@@ -115,6 +117,11 @@
       </a:defRPr>
     </a:lvl9pPr>
   </p:defaultTextStyle>
+  <p:extLst>
+    <p:ext uri="{EFAFB233-063F-42B5-8137-9DF3F51BA10A}">
+      <p15:sldGuideLst xmlns:p15="http://schemas.microsoft.com/office/powerpoint/2012/main"/>
+    </p:ext>
+  </p:extLst>
 </p:presentation>
 </file>
 
@@ -3200,7 +3207,7 @@
           <a:p>
             <a:fld id="{429FE5F0-96E6-46CD-978B-D48C1D0723AD}" type="datetimeFigureOut">
               <a:rPr lang="nl-NL" smtClean="0"/>
-              <a:t>27-11-2023</a:t>
+              <a:t>3-12-2023</a:t>
             </a:fld>
             <a:endParaRPr lang="nl-NL"/>
           </a:p>
@@ -3667,7 +3674,7 @@
           <a:p>
             <a:fld id="{79941050-EA70-443E-90EB-9A9ABCE56FFB}" type="datetimeFigureOut">
               <a:rPr lang="nl-NL" smtClean="0"/>
-              <a:t>27-11-2023</a:t>
+              <a:t>3-12-2023</a:t>
             </a:fld>
             <a:endParaRPr lang="nl-NL"/>
           </a:p>
@@ -3857,7 +3864,7 @@
           <a:p>
             <a:fld id="{79941050-EA70-443E-90EB-9A9ABCE56FFB}" type="datetimeFigureOut">
               <a:rPr lang="nl-NL" smtClean="0"/>
-              <a:t>27-11-2023</a:t>
+              <a:t>3-12-2023</a:t>
             </a:fld>
             <a:endParaRPr lang="nl-NL"/>
           </a:p>
@@ -4037,7 +4044,7 @@
           <a:p>
             <a:fld id="{79941050-EA70-443E-90EB-9A9ABCE56FFB}" type="datetimeFigureOut">
               <a:rPr lang="nl-NL" smtClean="0"/>
-              <a:t>27-11-2023</a:t>
+              <a:t>3-12-2023</a:t>
             </a:fld>
             <a:endParaRPr lang="nl-NL"/>
           </a:p>
@@ -4207,7 +4214,7 @@
           <a:p>
             <a:fld id="{79941050-EA70-443E-90EB-9A9ABCE56FFB}" type="datetimeFigureOut">
               <a:rPr lang="nl-NL" smtClean="0"/>
-              <a:t>27-11-2023</a:t>
+              <a:t>3-12-2023</a:t>
             </a:fld>
             <a:endParaRPr lang="nl-NL"/>
           </a:p>
@@ -4463,7 +4470,7 @@
           <a:p>
             <a:fld id="{79941050-EA70-443E-90EB-9A9ABCE56FFB}" type="datetimeFigureOut">
               <a:rPr lang="nl-NL" smtClean="0"/>
-              <a:t>27-11-2023</a:t>
+              <a:t>3-12-2023</a:t>
             </a:fld>
             <a:endParaRPr lang="nl-NL"/>
           </a:p>
@@ -4751,7 +4758,7 @@
           <a:p>
             <a:fld id="{79941050-EA70-443E-90EB-9A9ABCE56FFB}" type="datetimeFigureOut">
               <a:rPr lang="nl-NL" smtClean="0"/>
-              <a:t>27-11-2023</a:t>
+              <a:t>3-12-2023</a:t>
             </a:fld>
             <a:endParaRPr lang="nl-NL"/>
           </a:p>
@@ -5189,7 +5196,7 @@
           <a:p>
             <a:fld id="{79941050-EA70-443E-90EB-9A9ABCE56FFB}" type="datetimeFigureOut">
               <a:rPr lang="nl-NL" smtClean="0"/>
-              <a:t>27-11-2023</a:t>
+              <a:t>3-12-2023</a:t>
             </a:fld>
             <a:endParaRPr lang="nl-NL"/>
           </a:p>
@@ -5307,7 +5314,7 @@
           <a:p>
             <a:fld id="{79941050-EA70-443E-90EB-9A9ABCE56FFB}" type="datetimeFigureOut">
               <a:rPr lang="nl-NL" smtClean="0"/>
-              <a:t>27-11-2023</a:t>
+              <a:t>3-12-2023</a:t>
             </a:fld>
             <a:endParaRPr lang="nl-NL"/>
           </a:p>
@@ -5402,7 +5409,7 @@
           <a:p>
             <a:fld id="{79941050-EA70-443E-90EB-9A9ABCE56FFB}" type="datetimeFigureOut">
               <a:rPr lang="nl-NL" smtClean="0"/>
-              <a:t>27-11-2023</a:t>
+              <a:t>3-12-2023</a:t>
             </a:fld>
             <a:endParaRPr lang="nl-NL"/>
           </a:p>
@@ -5758,7 +5765,7 @@
           <a:p>
             <a:fld id="{79941050-EA70-443E-90EB-9A9ABCE56FFB}" type="datetimeFigureOut">
               <a:rPr lang="nl-NL" smtClean="0"/>
-              <a:t>27-11-2023</a:t>
+              <a:t>3-12-2023</a:t>
             </a:fld>
             <a:endParaRPr lang="nl-NL"/>
           </a:p>
@@ -6074,7 +6081,7 @@
           <a:p>
             <a:fld id="{79941050-EA70-443E-90EB-9A9ABCE56FFB}" type="datetimeFigureOut">
               <a:rPr lang="nl-NL" smtClean="0"/>
-              <a:t>27-11-2023</a:t>
+              <a:t>3-12-2023</a:t>
             </a:fld>
             <a:endParaRPr lang="nl-NL"/>
           </a:p>
@@ -6307,7 +6314,7 @@
           <a:p>
             <a:fld id="{79941050-EA70-443E-90EB-9A9ABCE56FFB}" type="datetimeFigureOut">
               <a:rPr lang="nl-NL" smtClean="0"/>
-              <a:t>27-11-2023</a:t>
+              <a:t>3-12-2023</a:t>
             </a:fld>
             <a:endParaRPr lang="nl-NL"/>
           </a:p>
@@ -6882,7 +6889,504 @@
 </p:sld>
 </file>
 
+<file path=ppt/slides/slide10.xml><?xml version="1.0" encoding="utf-8"?>
+<p:sld xmlns:a="http://schemas.openxmlformats.org/drawingml/2006/main" xmlns:r="http://schemas.openxmlformats.org/officeDocument/2006/relationships" xmlns:p="http://schemas.openxmlformats.org/presentationml/2006/main">
+  <p:cSld>
+    <p:bg>
+      <p:bgPr>
+        <a:solidFill>
+          <a:schemeClr val="accent1"/>
+        </a:solidFill>
+        <a:effectLst/>
+      </p:bgPr>
+    </p:bg>
+    <p:spTree>
+      <p:nvGrpSpPr>
+        <p:cNvPr id="1" name=""/>
+        <p:cNvGrpSpPr/>
+        <p:nvPr/>
+      </p:nvGrpSpPr>
+      <p:grpSpPr>
+        <a:xfrm>
+          <a:off x="0" y="0"/>
+          <a:ext cx="0" cy="0"/>
+          <a:chOff x="0" y="0"/>
+          <a:chExt cx="0" cy="0"/>
+        </a:xfrm>
+      </p:grpSpPr>
+      <p:sp>
+        <p:nvSpPr>
+          <p:cNvPr id="3" name="Titel 1">
+            <a:extLst>
+              <a:ext uri="{FF2B5EF4-FFF2-40B4-BE49-F238E27FC236}">
+                <a16:creationId xmlns:a16="http://schemas.microsoft.com/office/drawing/2014/main" id="{9FD6E895-016F-BADF-BD53-04A2D21A752A}"/>
+              </a:ext>
+            </a:extLst>
+          </p:cNvPr>
+          <p:cNvSpPr>
+            <a:spLocks noGrp="1"/>
+          </p:cNvSpPr>
+          <p:nvPr>
+            <p:ph type="title"/>
+          </p:nvPr>
+        </p:nvSpPr>
+        <p:spPr>
+          <a:xfrm>
+            <a:off x="497576" y="3115882"/>
+            <a:ext cx="4591259" cy="626235"/>
+          </a:xfrm>
+        </p:spPr>
+        <p:txBody>
+          <a:bodyPr vert="horz" lIns="91440" tIns="45720" rIns="91440" bIns="45720" rtlCol="0" anchor="ctr">
+            <a:noAutofit/>
+          </a:bodyPr>
+          <a:lstStyle/>
+          <a:p>
+            <a:r>
+              <a:rPr lang="en-US" sz="5000" dirty="0">
+                <a:solidFill>
+                  <a:srgbClr val="FFFFFF"/>
+                </a:solidFill>
+                <a:latin typeface="Arial Rounded MT Bold" panose="020F0704030504030204" pitchFamily="34" charset="0"/>
+              </a:rPr>
+              <a:t>Problems</a:t>
+            </a:r>
+          </a:p>
+        </p:txBody>
+      </p:sp>
+    </p:spTree>
+    <p:extLst>
+      <p:ext uri="{BB962C8B-B14F-4D97-AF65-F5344CB8AC3E}">
+        <p14:creationId xmlns:p14="http://schemas.microsoft.com/office/powerpoint/2010/main" val="3961560492"/>
+      </p:ext>
+    </p:extLst>
+  </p:cSld>
+  <p:clrMapOvr>
+    <a:masterClrMapping/>
+  </p:clrMapOvr>
+</p:sld>
+</file>
+
+<file path=ppt/slides/slide11.xml><?xml version="1.0" encoding="utf-8"?>
+<p:sld xmlns:a="http://schemas.openxmlformats.org/drawingml/2006/main" xmlns:r="http://schemas.openxmlformats.org/officeDocument/2006/relationships" xmlns:p="http://schemas.openxmlformats.org/presentationml/2006/main">
+  <p:cSld>
+    <p:bg>
+      <p:bgPr>
+        <a:solidFill>
+          <a:schemeClr val="accent1"/>
+        </a:solidFill>
+        <a:effectLst/>
+      </p:bgPr>
+    </p:bg>
+    <p:spTree>
+      <p:nvGrpSpPr>
+        <p:cNvPr id="1" name=""/>
+        <p:cNvGrpSpPr/>
+        <p:nvPr/>
+      </p:nvGrpSpPr>
+      <p:grpSpPr>
+        <a:xfrm>
+          <a:off x="0" y="0"/>
+          <a:ext cx="0" cy="0"/>
+          <a:chOff x="0" y="0"/>
+          <a:chExt cx="0" cy="0"/>
+        </a:xfrm>
+      </p:grpSpPr>
+      <p:sp>
+        <p:nvSpPr>
+          <p:cNvPr id="15" name="Rectangle 14">
+            <a:extLst>
+              <a:ext uri="{FF2B5EF4-FFF2-40B4-BE49-F238E27FC236}">
+                <a16:creationId xmlns:a16="http://schemas.microsoft.com/office/drawing/2014/main" id="{BD976C13-68E6-4E25-B13E-FC3A2D3F66E3}"/>
+              </a:ext>
+              <a:ext uri="{C183D7F6-B498-43B3-948B-1728B52AA6E4}">
+                <adec:decorative xmlns:adec="http://schemas.microsoft.com/office/drawing/2017/decorative" val="1"/>
+              </a:ext>
+            </a:extLst>
+          </p:cNvPr>
+          <p:cNvSpPr>
+            <a:spLocks noGrp="1" noRot="1" noChangeAspect="1" noMove="1" noResize="1" noEditPoints="1" noAdjustHandles="1" noChangeArrowheads="1" noChangeShapeType="1" noTextEdit="1"/>
+          </p:cNvSpPr>
+          <p:nvPr>
+            <p:extLst>
+              <p:ext uri="{386F3935-93C4-4BCD-93E2-E3B085C9AB24}">
+                <p16:designElem xmlns:p16="http://schemas.microsoft.com/office/powerpoint/2015/main" val="1"/>
+              </p:ext>
+            </p:extLst>
+          </p:nvPr>
+        </p:nvSpPr>
+        <p:spPr>
+          <a:xfrm>
+            <a:off x="0" y="0"/>
+            <a:ext cx="12192000" cy="6858000"/>
+          </a:xfrm>
+          <a:prstGeom prst="rect">
+            <a:avLst/>
+          </a:prstGeom>
+          <a:ln>
+            <a:noFill/>
+          </a:ln>
+        </p:spPr>
+        <p:style>
+          <a:lnRef idx="2">
+            <a:schemeClr val="accent1">
+              <a:shade val="50000"/>
+            </a:schemeClr>
+          </a:lnRef>
+          <a:fillRef idx="1">
+            <a:schemeClr val="accent1"/>
+          </a:fillRef>
+          <a:effectRef idx="0">
+            <a:schemeClr val="accent1"/>
+          </a:effectRef>
+          <a:fontRef idx="minor">
+            <a:schemeClr val="lt1"/>
+          </a:fontRef>
+        </p:style>
+        <p:txBody>
+          <a:bodyPr/>
+          <a:lstStyle/>
+          <a:p>
+            <a:endParaRPr lang="nl-NL"/>
+          </a:p>
+        </p:txBody>
+      </p:sp>
+      <p:sp>
+        <p:nvSpPr>
+          <p:cNvPr id="17" name="Rectangle 16">
+            <a:extLst>
+              <a:ext uri="{FF2B5EF4-FFF2-40B4-BE49-F238E27FC236}">
+                <a16:creationId xmlns:a16="http://schemas.microsoft.com/office/drawing/2014/main" id="{50EBAE0B-DD72-4094-8934-3B46A91428CF}"/>
+              </a:ext>
+              <a:ext uri="{C183D7F6-B498-43B3-948B-1728B52AA6E4}">
+                <adec:decorative xmlns:adec="http://schemas.microsoft.com/office/drawing/2017/decorative" val="1"/>
+              </a:ext>
+            </a:extLst>
+          </p:cNvPr>
+          <p:cNvSpPr>
+            <a:spLocks noGrp="1" noRot="1" noChangeAspect="1" noMove="1" noResize="1" noEditPoints="1" noAdjustHandles="1" noChangeArrowheads="1" noChangeShapeType="1" noTextEdit="1"/>
+          </p:cNvSpPr>
+          <p:nvPr>
+            <p:extLst>
+              <p:ext uri="{386F3935-93C4-4BCD-93E2-E3B085C9AB24}">
+                <p16:designElem xmlns:p16="http://schemas.microsoft.com/office/powerpoint/2015/main" val="1"/>
+              </p:ext>
+            </p:extLst>
+          </p:nvPr>
+        </p:nvSpPr>
+        <p:spPr>
+          <a:xfrm>
+            <a:off x="0" y="0"/>
+            <a:ext cx="12192000" cy="6858000"/>
+          </a:xfrm>
+          <a:prstGeom prst="rect">
+            <a:avLst/>
+          </a:prstGeom>
+          <a:solidFill>
+            <a:schemeClr val="accent1"/>
+          </a:solidFill>
+          <a:ln>
+            <a:noFill/>
+          </a:ln>
+        </p:spPr>
+        <p:style>
+          <a:lnRef idx="2">
+            <a:schemeClr val="accent1">
+              <a:shade val="50000"/>
+            </a:schemeClr>
+          </a:lnRef>
+          <a:fillRef idx="1">
+            <a:schemeClr val="accent1"/>
+          </a:fillRef>
+          <a:effectRef idx="0">
+            <a:schemeClr val="accent1"/>
+          </a:effectRef>
+          <a:fontRef idx="minor">
+            <a:schemeClr val="lt1"/>
+          </a:fontRef>
+        </p:style>
+        <p:txBody>
+          <a:bodyPr rtlCol="0" anchor="ctr"/>
+          <a:lstStyle/>
+          <a:p>
+            <a:pPr algn="ctr"/>
+            <a:endParaRPr lang="en-US"/>
+          </a:p>
+        </p:txBody>
+      </p:sp>
+      <p:sp>
+        <p:nvSpPr>
+          <p:cNvPr id="4" name="Titel 1">
+            <a:extLst>
+              <a:ext uri="{FF2B5EF4-FFF2-40B4-BE49-F238E27FC236}">
+                <a16:creationId xmlns:a16="http://schemas.microsoft.com/office/drawing/2014/main" id="{2981643F-C7CB-974D-0E12-E50537334949}"/>
+              </a:ext>
+            </a:extLst>
+          </p:cNvPr>
+          <p:cNvSpPr>
+            <a:spLocks noGrp="1"/>
+          </p:cNvSpPr>
+          <p:nvPr>
+            <p:ph type="title"/>
+          </p:nvPr>
+        </p:nvSpPr>
+        <p:spPr>
+          <a:xfrm>
+            <a:off x="497576" y="3115882"/>
+            <a:ext cx="4591259" cy="626235"/>
+          </a:xfrm>
+        </p:spPr>
+        <p:txBody>
+          <a:bodyPr vert="horz" lIns="91440" tIns="45720" rIns="91440" bIns="45720" rtlCol="0" anchor="ctr">
+            <a:noAutofit/>
+          </a:bodyPr>
+          <a:lstStyle/>
+          <a:p>
+            <a:r>
+              <a:rPr lang="en-US" sz="5000" dirty="0">
+                <a:solidFill>
+                  <a:srgbClr val="FFFFFF"/>
+                </a:solidFill>
+                <a:latin typeface="Arial Rounded MT Bold" panose="020F0704030504030204" pitchFamily="34" charset="0"/>
+              </a:rPr>
+              <a:t>Demo</a:t>
+            </a:r>
+          </a:p>
+        </p:txBody>
+      </p:sp>
+    </p:spTree>
+    <p:extLst>
+      <p:ext uri="{BB962C8B-B14F-4D97-AF65-F5344CB8AC3E}">
+        <p14:creationId xmlns:p14="http://schemas.microsoft.com/office/powerpoint/2010/main" val="3941442357"/>
+      </p:ext>
+    </p:extLst>
+  </p:cSld>
+  <p:clrMapOvr>
+    <a:masterClrMapping/>
+  </p:clrMapOvr>
+</p:sld>
+</file>
+
 <file path=ppt/slides/slide2.xml><?xml version="1.0" encoding="utf-8"?>
+<p:sld xmlns:a="http://schemas.openxmlformats.org/drawingml/2006/main" xmlns:r="http://schemas.openxmlformats.org/officeDocument/2006/relationships" xmlns:p="http://schemas.openxmlformats.org/presentationml/2006/main">
+  <p:cSld>
+    <p:bg>
+      <p:bgPr>
+        <a:solidFill>
+          <a:schemeClr val="accent1"/>
+        </a:solidFill>
+        <a:effectLst/>
+      </p:bgPr>
+    </p:bg>
+    <p:spTree>
+      <p:nvGrpSpPr>
+        <p:cNvPr id="1" name=""/>
+        <p:cNvGrpSpPr/>
+        <p:nvPr/>
+      </p:nvGrpSpPr>
+      <p:grpSpPr>
+        <a:xfrm>
+          <a:off x="0" y="0"/>
+          <a:ext cx="0" cy="0"/>
+          <a:chOff x="0" y="0"/>
+          <a:chExt cx="0" cy="0"/>
+        </a:xfrm>
+      </p:grpSpPr>
+      <p:sp>
+        <p:nvSpPr>
+          <p:cNvPr id="12" name="Rectangle 7">
+            <a:extLst>
+              <a:ext uri="{FF2B5EF4-FFF2-40B4-BE49-F238E27FC236}">
+                <a16:creationId xmlns:a16="http://schemas.microsoft.com/office/drawing/2014/main" id="{BD976C13-68E6-4E25-B13E-FC3A2D3F66E3}"/>
+              </a:ext>
+              <a:ext uri="{C183D7F6-B498-43B3-948B-1728B52AA6E4}">
+                <adec:decorative xmlns:adec="http://schemas.microsoft.com/office/drawing/2017/decorative" val="1"/>
+              </a:ext>
+            </a:extLst>
+          </p:cNvPr>
+          <p:cNvSpPr>
+            <a:spLocks noGrp="1" noRot="1" noChangeAspect="1" noMove="1" noResize="1" noEditPoints="1" noAdjustHandles="1" noChangeArrowheads="1" noChangeShapeType="1" noTextEdit="1"/>
+          </p:cNvSpPr>
+          <p:nvPr>
+            <p:extLst>
+              <p:ext uri="{386F3935-93C4-4BCD-93E2-E3B085C9AB24}">
+                <p16:designElem xmlns:p16="http://schemas.microsoft.com/office/powerpoint/2015/main" val="1"/>
+              </p:ext>
+            </p:extLst>
+          </p:nvPr>
+        </p:nvSpPr>
+        <p:spPr>
+          <a:xfrm>
+            <a:off x="0" y="0"/>
+            <a:ext cx="12192000" cy="6858000"/>
+          </a:xfrm>
+          <a:prstGeom prst="rect">
+            <a:avLst/>
+          </a:prstGeom>
+          <a:ln>
+            <a:noFill/>
+          </a:ln>
+        </p:spPr>
+        <p:style>
+          <a:lnRef idx="2">
+            <a:schemeClr val="accent1">
+              <a:shade val="50000"/>
+            </a:schemeClr>
+          </a:lnRef>
+          <a:fillRef idx="1">
+            <a:schemeClr val="accent1"/>
+          </a:fillRef>
+          <a:effectRef idx="0">
+            <a:schemeClr val="accent1"/>
+          </a:effectRef>
+          <a:fontRef idx="minor">
+            <a:schemeClr val="lt1"/>
+          </a:fontRef>
+        </p:style>
+        <p:txBody>
+          <a:bodyPr/>
+          <a:lstStyle/>
+          <a:p>
+            <a:endParaRPr lang="nl-NL"/>
+          </a:p>
+        </p:txBody>
+      </p:sp>
+      <p:sp>
+        <p:nvSpPr>
+          <p:cNvPr id="13" name="Rectangle 9">
+            <a:extLst>
+              <a:ext uri="{FF2B5EF4-FFF2-40B4-BE49-F238E27FC236}">
+                <a16:creationId xmlns:a16="http://schemas.microsoft.com/office/drawing/2014/main" id="{50EBAE0B-DD72-4094-8934-3B46A91428CF}"/>
+              </a:ext>
+              <a:ext uri="{C183D7F6-B498-43B3-948B-1728B52AA6E4}">
+                <adec:decorative xmlns:adec="http://schemas.microsoft.com/office/drawing/2017/decorative" val="1"/>
+              </a:ext>
+            </a:extLst>
+          </p:cNvPr>
+          <p:cNvSpPr>
+            <a:spLocks noGrp="1" noRot="1" noChangeAspect="1" noMove="1" noResize="1" noEditPoints="1" noAdjustHandles="1" noChangeArrowheads="1" noChangeShapeType="1" noTextEdit="1"/>
+          </p:cNvSpPr>
+          <p:nvPr>
+            <p:extLst>
+              <p:ext uri="{386F3935-93C4-4BCD-93E2-E3B085C9AB24}">
+                <p16:designElem xmlns:p16="http://schemas.microsoft.com/office/powerpoint/2015/main" val="1"/>
+              </p:ext>
+            </p:extLst>
+          </p:nvPr>
+        </p:nvSpPr>
+        <p:spPr>
+          <a:xfrm>
+            <a:off x="0" y="0"/>
+            <a:ext cx="12192000" cy="6858000"/>
+          </a:xfrm>
+          <a:prstGeom prst="rect">
+            <a:avLst/>
+          </a:prstGeom>
+          <a:solidFill>
+            <a:schemeClr val="accent1"/>
+          </a:solidFill>
+          <a:ln>
+            <a:noFill/>
+          </a:ln>
+        </p:spPr>
+        <p:style>
+          <a:lnRef idx="2">
+            <a:schemeClr val="accent1">
+              <a:shade val="50000"/>
+            </a:schemeClr>
+          </a:lnRef>
+          <a:fillRef idx="1">
+            <a:schemeClr val="accent1"/>
+          </a:fillRef>
+          <a:effectRef idx="0">
+            <a:schemeClr val="accent1"/>
+          </a:effectRef>
+          <a:fontRef idx="minor">
+            <a:schemeClr val="lt1"/>
+          </a:fontRef>
+        </p:style>
+        <p:txBody>
+          <a:bodyPr rtlCol="0" anchor="ctr"/>
+          <a:lstStyle/>
+          <a:p>
+            <a:pPr algn="ctr"/>
+            <a:endParaRPr lang="en-US"/>
+          </a:p>
+        </p:txBody>
+      </p:sp>
+      <p:sp>
+        <p:nvSpPr>
+          <p:cNvPr id="4" name="Titel 1">
+            <a:extLst>
+              <a:ext uri="{FF2B5EF4-FFF2-40B4-BE49-F238E27FC236}">
+                <a16:creationId xmlns:a16="http://schemas.microsoft.com/office/drawing/2014/main" id="{4886C5D7-38DD-F4DC-1433-EDC5C263BDB1}"/>
+              </a:ext>
+            </a:extLst>
+          </p:cNvPr>
+          <p:cNvSpPr txBox="1">
+            <a:spLocks/>
+          </p:cNvSpPr>
+          <p:nvPr/>
+        </p:nvSpPr>
+        <p:spPr>
+          <a:xfrm>
+            <a:off x="497576" y="3115882"/>
+            <a:ext cx="4591259" cy="626235"/>
+          </a:xfrm>
+          <a:prstGeom prst="rect">
+            <a:avLst/>
+          </a:prstGeom>
+        </p:spPr>
+        <p:txBody>
+          <a:bodyPr vert="horz" lIns="91440" tIns="45720" rIns="91440" bIns="45720" rtlCol="0" anchor="ctr">
+            <a:noAutofit/>
+          </a:bodyPr>
+          <a:lstStyle>
+            <a:lvl1pPr algn="l" defTabSz="914400" rtl="0" eaLnBrk="1" latinLnBrk="0" hangingPunct="1">
+              <a:lnSpc>
+                <a:spcPct val="85000"/>
+              </a:lnSpc>
+              <a:spcBef>
+                <a:spcPct val="0"/>
+              </a:spcBef>
+              <a:buNone/>
+              <a:defRPr sz="5400" kern="1200" spc="-120" baseline="0">
+                <a:solidFill>
+                  <a:schemeClr val="accent1"/>
+                </a:solidFill>
+                <a:latin typeface="+mj-lt"/>
+                <a:ea typeface="+mj-ea"/>
+                <a:cs typeface="+mj-cs"/>
+              </a:defRPr>
+            </a:lvl1pPr>
+          </a:lstStyle>
+          <a:p>
+            <a:r>
+              <a:rPr lang="en-US" sz="5000" dirty="0">
+                <a:solidFill>
+                  <a:srgbClr val="FFFFFF"/>
+                </a:solidFill>
+                <a:latin typeface="Arial Rounded MT Bold" panose="020F0704030504030204" pitchFamily="34" charset="0"/>
+              </a:rPr>
+              <a:t>What is our project?</a:t>
+            </a:r>
+          </a:p>
+        </p:txBody>
+      </p:sp>
+    </p:spTree>
+    <p:extLst>
+      <p:ext uri="{BB962C8B-B14F-4D97-AF65-F5344CB8AC3E}">
+        <p14:creationId xmlns:p14="http://schemas.microsoft.com/office/powerpoint/2010/main" val="2815860789"/>
+      </p:ext>
+    </p:extLst>
+  </p:cSld>
+  <p:clrMapOvr>
+    <a:masterClrMapping/>
+  </p:clrMapOvr>
+</p:sld>
+</file>
+
+<file path=ppt/slides/slide3.xml><?xml version="1.0" encoding="utf-8"?>
 <p:sld xmlns:a="http://schemas.openxmlformats.org/drawingml/2006/main" xmlns:r="http://schemas.openxmlformats.org/officeDocument/2006/relationships" xmlns:p="http://schemas.openxmlformats.org/presentationml/2006/main">
   <p:cSld>
     <p:bg>
@@ -7284,7 +7788,7 @@
 </p:sld>
 </file>
 
-<file path=ppt/slides/slide3.xml><?xml version="1.0" encoding="utf-8"?>
+<file path=ppt/slides/slide4.xml><?xml version="1.0" encoding="utf-8"?>
 <p:sld xmlns:a="http://schemas.openxmlformats.org/drawingml/2006/main" xmlns:r="http://schemas.openxmlformats.org/officeDocument/2006/relationships" xmlns:p="http://schemas.openxmlformats.org/presentationml/2006/main">
   <p:cSld>
     <p:bg>
@@ -7685,7 +8189,7 @@
 </p:sld>
 </file>
 
-<file path=ppt/slides/slide4.xml><?xml version="1.0" encoding="utf-8"?>
+<file path=ppt/slides/slide5.xml><?xml version="1.0" encoding="utf-8"?>
 <p:sld xmlns:a="http://schemas.openxmlformats.org/drawingml/2006/main" xmlns:r="http://schemas.openxmlformats.org/officeDocument/2006/relationships" xmlns:p="http://schemas.openxmlformats.org/presentationml/2006/main">
   <p:cSld>
     <p:bg>
@@ -8134,7 +8638,7 @@
 </p:sld>
 </file>
 
-<file path=ppt/slides/slide5.xml><?xml version="1.0" encoding="utf-8"?>
+<file path=ppt/slides/slide6.xml><?xml version="1.0" encoding="utf-8"?>
 <p:sld xmlns:a="http://schemas.openxmlformats.org/drawingml/2006/main" xmlns:r="http://schemas.openxmlformats.org/officeDocument/2006/relationships" xmlns:p="http://schemas.openxmlformats.org/presentationml/2006/main">
   <p:cSld>
     <p:bg>
@@ -8582,7 +9086,336 @@
 </p:sld>
 </file>
 
-<file path=ppt/slides/slide6.xml><?xml version="1.0" encoding="utf-8"?>
+<file path=ppt/slides/slide7.xml><?xml version="1.0" encoding="utf-8"?>
+<p:sld xmlns:a="http://schemas.openxmlformats.org/drawingml/2006/main" xmlns:r="http://schemas.openxmlformats.org/officeDocument/2006/relationships" xmlns:p="http://schemas.openxmlformats.org/presentationml/2006/main">
+  <p:cSld>
+    <p:bg>
+      <p:bgPr>
+        <a:solidFill>
+          <a:schemeClr val="accent1"/>
+        </a:solidFill>
+        <a:effectLst/>
+      </p:bgPr>
+    </p:bg>
+    <p:spTree>
+      <p:nvGrpSpPr>
+        <p:cNvPr id="1" name=""/>
+        <p:cNvGrpSpPr/>
+        <p:nvPr/>
+      </p:nvGrpSpPr>
+      <p:grpSpPr>
+        <a:xfrm>
+          <a:off x="0" y="0"/>
+          <a:ext cx="0" cy="0"/>
+          <a:chOff x="0" y="0"/>
+          <a:chExt cx="0" cy="0"/>
+        </a:xfrm>
+      </p:grpSpPr>
+      <p:sp>
+        <p:nvSpPr>
+          <p:cNvPr id="2" name="Titel 1">
+            <a:extLst>
+              <a:ext uri="{FF2B5EF4-FFF2-40B4-BE49-F238E27FC236}">
+                <a16:creationId xmlns:a16="http://schemas.microsoft.com/office/drawing/2014/main" id="{356AFA25-DCDD-320D-888C-64ED5B99C1F1}"/>
+              </a:ext>
+            </a:extLst>
+          </p:cNvPr>
+          <p:cNvSpPr>
+            <a:spLocks noGrp="1"/>
+          </p:cNvSpPr>
+          <p:nvPr>
+            <p:ph type="title"/>
+          </p:nvPr>
+        </p:nvSpPr>
+        <p:spPr>
+          <a:xfrm>
+            <a:off x="704850" y="373224"/>
+            <a:ext cx="10782300" cy="989045"/>
+          </a:xfrm>
+        </p:spPr>
+        <p:txBody>
+          <a:bodyPr vert="horz" lIns="91440" tIns="45720" rIns="91440" bIns="45720" rtlCol="0" anchor="b">
+            <a:normAutofit/>
+          </a:bodyPr>
+          <a:lstStyle/>
+          <a:p>
+            <a:pPr algn="ctr">
+              <a:lnSpc>
+                <a:spcPct val="80000"/>
+              </a:lnSpc>
+            </a:pPr>
+            <a:r>
+              <a:rPr lang="en-US" sz="5000" dirty="0">
+                <a:solidFill>
+                  <a:srgbClr val="FFFFFF"/>
+                </a:solidFill>
+                <a:latin typeface="Arial Rounded MT Bold" panose="020F0704030504030204" pitchFamily="34" charset="0"/>
+              </a:rPr>
+              <a:t>Materials</a:t>
+            </a:r>
+          </a:p>
+        </p:txBody>
+      </p:sp>
+      <p:sp>
+        <p:nvSpPr>
+          <p:cNvPr id="4" name="Tekstvak 3">
+            <a:extLst>
+              <a:ext uri="{FF2B5EF4-FFF2-40B4-BE49-F238E27FC236}">
+                <a16:creationId xmlns:a16="http://schemas.microsoft.com/office/drawing/2014/main" id="{14E6C859-514D-3526-7437-3A2290C96596}"/>
+              </a:ext>
+            </a:extLst>
+          </p:cNvPr>
+          <p:cNvSpPr txBox="1"/>
+          <p:nvPr/>
+        </p:nvSpPr>
+        <p:spPr>
+          <a:xfrm>
+            <a:off x="1306286" y="1362269"/>
+            <a:ext cx="6475445" cy="4324261"/>
+          </a:xfrm>
+          <a:prstGeom prst="rect">
+            <a:avLst/>
+          </a:prstGeom>
+          <a:noFill/>
+        </p:spPr>
+        <p:txBody>
+          <a:bodyPr wrap="square" rtlCol="0">
+            <a:spAutoFit/>
+          </a:bodyPr>
+          <a:lstStyle/>
+          <a:p>
+            <a:pPr marL="285750" indent="-285750">
+              <a:buFont typeface="Arial" panose="020B0604020202020204" pitchFamily="34" charset="0"/>
+              <a:buChar char="•"/>
+            </a:pPr>
+            <a:r>
+              <a:rPr lang="nl-BE" sz="2500" dirty="0" err="1">
+                <a:solidFill>
+                  <a:schemeClr val="bg1"/>
+                </a:solidFill>
+              </a:rPr>
+              <a:t>Shelf</a:t>
+            </a:r>
+            <a:r>
+              <a:rPr lang="nl-BE" sz="2500" dirty="0">
+                <a:solidFill>
+                  <a:schemeClr val="bg1"/>
+                </a:solidFill>
+              </a:rPr>
+              <a:t> (400 x 400mm)</a:t>
+            </a:r>
+          </a:p>
+          <a:p>
+            <a:pPr marL="285750" indent="-285750">
+              <a:buFont typeface="Arial" panose="020B0604020202020204" pitchFamily="34" charset="0"/>
+              <a:buChar char="•"/>
+            </a:pPr>
+            <a:r>
+              <a:rPr lang="nl-BE" sz="2500" dirty="0">
+                <a:solidFill>
+                  <a:schemeClr val="bg1"/>
+                </a:solidFill>
+              </a:rPr>
+              <a:t>PLA</a:t>
+            </a:r>
+          </a:p>
+          <a:p>
+            <a:pPr marL="285750" indent="-285750">
+              <a:buFont typeface="Arial" panose="020B0604020202020204" pitchFamily="34" charset="0"/>
+              <a:buChar char="•"/>
+            </a:pPr>
+            <a:r>
+              <a:rPr lang="nl-BE" sz="2500" dirty="0">
+                <a:solidFill>
+                  <a:schemeClr val="bg1"/>
+                </a:solidFill>
+              </a:rPr>
+              <a:t>Speaker</a:t>
+            </a:r>
+          </a:p>
+          <a:p>
+            <a:pPr marL="285750" indent="-285750">
+              <a:buFont typeface="Arial" panose="020B0604020202020204" pitchFamily="34" charset="0"/>
+              <a:buChar char="•"/>
+            </a:pPr>
+            <a:r>
+              <a:rPr lang="nl-BE" sz="2500" dirty="0">
+                <a:solidFill>
+                  <a:schemeClr val="bg1"/>
+                </a:solidFill>
+              </a:rPr>
+              <a:t>Led</a:t>
+            </a:r>
+          </a:p>
+          <a:p>
+            <a:pPr marL="285750" indent="-285750">
+              <a:buFont typeface="Arial" panose="020B0604020202020204" pitchFamily="34" charset="0"/>
+              <a:buChar char="•"/>
+            </a:pPr>
+            <a:r>
+              <a:rPr lang="nl-BE" sz="2500" dirty="0">
+                <a:solidFill>
+                  <a:schemeClr val="bg1"/>
+                </a:solidFill>
+              </a:rPr>
+              <a:t>ESP-32</a:t>
+            </a:r>
+            <a:endParaRPr lang="nl-NL" sz="2500" dirty="0">
+              <a:solidFill>
+                <a:schemeClr val="bg1"/>
+              </a:solidFill>
+            </a:endParaRPr>
+          </a:p>
+          <a:p>
+            <a:pPr marL="285750" indent="-285750">
+              <a:buFont typeface="Arial" panose="020B0604020202020204" pitchFamily="34" charset="0"/>
+              <a:buChar char="•"/>
+            </a:pPr>
+            <a:r>
+              <a:rPr lang="nl-NL" sz="2500" dirty="0">
+                <a:solidFill>
+                  <a:schemeClr val="bg1"/>
+                </a:solidFill>
+              </a:rPr>
+              <a:t>DC </a:t>
+            </a:r>
+            <a:r>
+              <a:rPr lang="nl-NL" sz="2500" dirty="0" err="1">
+                <a:solidFill>
+                  <a:schemeClr val="bg1"/>
+                </a:solidFill>
+              </a:rPr>
+              <a:t>DC</a:t>
+            </a:r>
+            <a:r>
+              <a:rPr lang="nl-NL" sz="2500" dirty="0">
+                <a:solidFill>
+                  <a:schemeClr val="bg1"/>
+                </a:solidFill>
+              </a:rPr>
+              <a:t> Step Down</a:t>
+            </a:r>
+          </a:p>
+          <a:p>
+            <a:pPr marL="285750" indent="-285750">
+              <a:buFont typeface="Arial" panose="020B0604020202020204" pitchFamily="34" charset="0"/>
+              <a:buChar char="•"/>
+            </a:pPr>
+            <a:r>
+              <a:rPr lang="nl-NL" sz="2500" dirty="0">
+                <a:solidFill>
+                  <a:schemeClr val="bg1"/>
+                </a:solidFill>
+              </a:rPr>
+              <a:t>Media </a:t>
+            </a:r>
+            <a:r>
+              <a:rPr lang="nl-NL" sz="2500" dirty="0" err="1">
+                <a:solidFill>
+                  <a:schemeClr val="bg1"/>
+                </a:solidFill>
+              </a:rPr>
+              <a:t>Player</a:t>
+            </a:r>
+            <a:endParaRPr lang="nl-NL" sz="2500" dirty="0">
+              <a:solidFill>
+                <a:schemeClr val="bg1"/>
+              </a:solidFill>
+            </a:endParaRPr>
+          </a:p>
+          <a:p>
+            <a:pPr marL="285750" indent="-285750">
+              <a:buFont typeface="Arial" panose="020B0604020202020204" pitchFamily="34" charset="0"/>
+              <a:buChar char="•"/>
+            </a:pPr>
+            <a:r>
+              <a:rPr lang="nl-NL" sz="2500" dirty="0">
+                <a:solidFill>
+                  <a:schemeClr val="bg1"/>
+                </a:solidFill>
+              </a:rPr>
+              <a:t>Aluminium Tape</a:t>
+            </a:r>
+          </a:p>
+          <a:p>
+            <a:pPr marL="285750" indent="-285750">
+              <a:buFont typeface="Arial" panose="020B0604020202020204" pitchFamily="34" charset="0"/>
+              <a:buChar char="•"/>
+            </a:pPr>
+            <a:r>
+              <a:rPr lang="nl-NL" sz="2500" dirty="0" err="1">
+                <a:solidFill>
+                  <a:schemeClr val="bg1"/>
+                </a:solidFill>
+              </a:rPr>
+              <a:t>Ruberen</a:t>
+            </a:r>
+            <a:r>
+              <a:rPr lang="nl-NL" sz="2500" dirty="0">
+                <a:solidFill>
+                  <a:schemeClr val="bg1"/>
+                </a:solidFill>
+              </a:rPr>
+              <a:t> Strip</a:t>
+            </a:r>
+          </a:p>
+          <a:p>
+            <a:pPr marL="285750" indent="-285750">
+              <a:buFont typeface="Arial" panose="020B0604020202020204" pitchFamily="34" charset="0"/>
+              <a:buChar char="•"/>
+            </a:pPr>
+            <a:r>
+              <a:rPr lang="nl-NL" sz="2500" dirty="0" err="1">
+                <a:solidFill>
+                  <a:schemeClr val="bg1"/>
+                </a:solidFill>
+              </a:rPr>
+              <a:t>Polycarbonate</a:t>
+            </a:r>
+            <a:r>
+              <a:rPr lang="nl-NL" sz="2500" dirty="0">
+                <a:solidFill>
+                  <a:schemeClr val="bg1"/>
+                </a:solidFill>
+              </a:rPr>
+              <a:t> (5mm)</a:t>
+            </a:r>
+          </a:p>
+          <a:p>
+            <a:pPr marL="285750" indent="-285750">
+              <a:buFont typeface="Arial" panose="020B0604020202020204" pitchFamily="34" charset="0"/>
+              <a:buChar char="•"/>
+            </a:pPr>
+            <a:r>
+              <a:rPr lang="nl-NL" sz="2500" dirty="0">
+                <a:solidFill>
+                  <a:schemeClr val="bg1"/>
+                </a:solidFill>
+              </a:rPr>
+              <a:t>Power Supply</a:t>
+            </a:r>
+            <a:endParaRPr lang="nl-BE" sz="2500" dirty="0">
+              <a:solidFill>
+                <a:schemeClr val="bg1"/>
+              </a:solidFill>
+            </a:endParaRPr>
+          </a:p>
+        </p:txBody>
+      </p:sp>
+    </p:spTree>
+    <p:extLst>
+      <p:ext uri="{BB962C8B-B14F-4D97-AF65-F5344CB8AC3E}">
+        <p14:creationId xmlns:p14="http://schemas.microsoft.com/office/powerpoint/2010/main" val="694310492"/>
+      </p:ext>
+    </p:extLst>
+  </p:cSld>
+  <p:clrMapOvr>
+    <a:masterClrMapping/>
+  </p:clrMapOvr>
+</p:sld>
+</file>
+
+<file path=ppt/slides/slide8.xml><?xml version="1.0" encoding="utf-8"?>
 <p:sld xmlns:a="http://schemas.openxmlformats.org/drawingml/2006/main" xmlns:r="http://schemas.openxmlformats.org/officeDocument/2006/relationships" xmlns:p="http://schemas.openxmlformats.org/presentationml/2006/main">
   <p:cSld>
     <p:bg>
@@ -8726,7 +9559,7 @@
 </p:sld>
 </file>
 
-<file path=ppt/slides/slide7.xml><?xml version="1.0" encoding="utf-8"?>
+<file path=ppt/slides/slide9.xml><?xml version="1.0" encoding="utf-8"?>
 <p:sld xmlns:a="http://schemas.openxmlformats.org/drawingml/2006/main" xmlns:r="http://schemas.openxmlformats.org/officeDocument/2006/relationships" xmlns:p="http://schemas.openxmlformats.org/presentationml/2006/main">
   <p:cSld>
     <p:bg>
@@ -8838,414 +9671,6 @@
     <p:extLst>
       <p:ext uri="{BB962C8B-B14F-4D97-AF65-F5344CB8AC3E}">
         <p14:creationId xmlns:p14="http://schemas.microsoft.com/office/powerpoint/2010/main" val="2753492820"/>
-      </p:ext>
-    </p:extLst>
-  </p:cSld>
-  <p:clrMapOvr>
-    <a:masterClrMapping/>
-  </p:clrMapOvr>
-</p:sld>
-</file>
-
-<file path=ppt/slides/slide8.xml><?xml version="1.0" encoding="utf-8"?>
-<p:sld xmlns:a="http://schemas.openxmlformats.org/drawingml/2006/main" xmlns:r="http://schemas.openxmlformats.org/officeDocument/2006/relationships" xmlns:p="http://schemas.openxmlformats.org/presentationml/2006/main">
-  <p:cSld>
-    <p:bg>
-      <p:bgPr>
-        <a:solidFill>
-          <a:schemeClr val="accent1"/>
-        </a:solidFill>
-        <a:effectLst/>
-      </p:bgPr>
-    </p:bg>
-    <p:spTree>
-      <p:nvGrpSpPr>
-        <p:cNvPr id="1" name=""/>
-        <p:cNvGrpSpPr/>
-        <p:nvPr/>
-      </p:nvGrpSpPr>
-      <p:grpSpPr>
-        <a:xfrm>
-          <a:off x="0" y="0"/>
-          <a:ext cx="0" cy="0"/>
-          <a:chOff x="0" y="0"/>
-          <a:chExt cx="0" cy="0"/>
-        </a:xfrm>
-      </p:grpSpPr>
-      <p:sp>
-        <p:nvSpPr>
-          <p:cNvPr id="2" name="Titel 1">
-            <a:extLst>
-              <a:ext uri="{FF2B5EF4-FFF2-40B4-BE49-F238E27FC236}">
-                <a16:creationId xmlns:a16="http://schemas.microsoft.com/office/drawing/2014/main" id="{356AFA25-DCDD-320D-888C-64ED5B99C1F1}"/>
-              </a:ext>
-            </a:extLst>
-          </p:cNvPr>
-          <p:cNvSpPr>
-            <a:spLocks noGrp="1"/>
-          </p:cNvSpPr>
-          <p:nvPr>
-            <p:ph type="title"/>
-          </p:nvPr>
-        </p:nvSpPr>
-        <p:spPr>
-          <a:xfrm>
-            <a:off x="704850" y="373224"/>
-            <a:ext cx="10782300" cy="989045"/>
-          </a:xfrm>
-        </p:spPr>
-        <p:txBody>
-          <a:bodyPr vert="horz" lIns="91440" tIns="45720" rIns="91440" bIns="45720" rtlCol="0" anchor="b">
-            <a:normAutofit/>
-          </a:bodyPr>
-          <a:lstStyle/>
-          <a:p>
-            <a:pPr algn="ctr">
-              <a:lnSpc>
-                <a:spcPct val="80000"/>
-              </a:lnSpc>
-            </a:pPr>
-            <a:r>
-              <a:rPr lang="en-US" sz="5000" dirty="0">
-                <a:solidFill>
-                  <a:srgbClr val="FFFFFF"/>
-                </a:solidFill>
-                <a:latin typeface="Arial Rounded MT Bold" panose="020F0704030504030204" pitchFamily="34" charset="0"/>
-              </a:rPr>
-              <a:t>Materials</a:t>
-            </a:r>
-          </a:p>
-        </p:txBody>
-      </p:sp>
-      <p:sp>
-        <p:nvSpPr>
-          <p:cNvPr id="4" name="Tekstvak 3">
-            <a:extLst>
-              <a:ext uri="{FF2B5EF4-FFF2-40B4-BE49-F238E27FC236}">
-                <a16:creationId xmlns:a16="http://schemas.microsoft.com/office/drawing/2014/main" id="{14E6C859-514D-3526-7437-3A2290C96596}"/>
-              </a:ext>
-            </a:extLst>
-          </p:cNvPr>
-          <p:cNvSpPr txBox="1"/>
-          <p:nvPr/>
-        </p:nvSpPr>
-        <p:spPr>
-          <a:xfrm>
-            <a:off x="1306286" y="1362269"/>
-            <a:ext cx="6475445" cy="4324261"/>
-          </a:xfrm>
-          <a:prstGeom prst="rect">
-            <a:avLst/>
-          </a:prstGeom>
-          <a:noFill/>
-        </p:spPr>
-        <p:txBody>
-          <a:bodyPr wrap="square" rtlCol="0">
-            <a:spAutoFit/>
-          </a:bodyPr>
-          <a:lstStyle/>
-          <a:p>
-            <a:pPr marL="285750" indent="-285750">
-              <a:buFont typeface="Arial" panose="020B0604020202020204" pitchFamily="34" charset="0"/>
-              <a:buChar char="•"/>
-            </a:pPr>
-            <a:r>
-              <a:rPr lang="nl-BE" sz="2500" dirty="0" err="1">
-                <a:solidFill>
-                  <a:schemeClr val="bg1"/>
-                </a:solidFill>
-              </a:rPr>
-              <a:t>Shelf</a:t>
-            </a:r>
-            <a:r>
-              <a:rPr lang="nl-BE" sz="2500" dirty="0">
-                <a:solidFill>
-                  <a:schemeClr val="bg1"/>
-                </a:solidFill>
-              </a:rPr>
-              <a:t> (400 x 400mm)</a:t>
-            </a:r>
-          </a:p>
-          <a:p>
-            <a:pPr marL="285750" indent="-285750">
-              <a:buFont typeface="Arial" panose="020B0604020202020204" pitchFamily="34" charset="0"/>
-              <a:buChar char="•"/>
-            </a:pPr>
-            <a:r>
-              <a:rPr lang="nl-BE" sz="2500" dirty="0">
-                <a:solidFill>
-                  <a:schemeClr val="bg1"/>
-                </a:solidFill>
-              </a:rPr>
-              <a:t>PLA</a:t>
-            </a:r>
-          </a:p>
-          <a:p>
-            <a:pPr marL="285750" indent="-285750">
-              <a:buFont typeface="Arial" panose="020B0604020202020204" pitchFamily="34" charset="0"/>
-              <a:buChar char="•"/>
-            </a:pPr>
-            <a:r>
-              <a:rPr lang="nl-BE" sz="2500" dirty="0">
-                <a:solidFill>
-                  <a:schemeClr val="bg1"/>
-                </a:solidFill>
-              </a:rPr>
-              <a:t>Speaker</a:t>
-            </a:r>
-          </a:p>
-          <a:p>
-            <a:pPr marL="285750" indent="-285750">
-              <a:buFont typeface="Arial" panose="020B0604020202020204" pitchFamily="34" charset="0"/>
-              <a:buChar char="•"/>
-            </a:pPr>
-            <a:r>
-              <a:rPr lang="nl-BE" sz="2500" dirty="0">
-                <a:solidFill>
-                  <a:schemeClr val="bg1"/>
-                </a:solidFill>
-              </a:rPr>
-              <a:t>Led</a:t>
-            </a:r>
-          </a:p>
-          <a:p>
-            <a:pPr marL="285750" indent="-285750">
-              <a:buFont typeface="Arial" panose="020B0604020202020204" pitchFamily="34" charset="0"/>
-              <a:buChar char="•"/>
-            </a:pPr>
-            <a:r>
-              <a:rPr lang="nl-BE" sz="2500" dirty="0">
-                <a:solidFill>
-                  <a:schemeClr val="bg1"/>
-                </a:solidFill>
-              </a:rPr>
-              <a:t>ESP-32</a:t>
-            </a:r>
-            <a:endParaRPr lang="nl-NL" sz="2500" dirty="0">
-              <a:solidFill>
-                <a:schemeClr val="bg1"/>
-              </a:solidFill>
-            </a:endParaRPr>
-          </a:p>
-          <a:p>
-            <a:pPr marL="285750" indent="-285750">
-              <a:buFont typeface="Arial" panose="020B0604020202020204" pitchFamily="34" charset="0"/>
-              <a:buChar char="•"/>
-            </a:pPr>
-            <a:r>
-              <a:rPr lang="nl-NL" sz="2500" dirty="0">
-                <a:solidFill>
-                  <a:schemeClr val="bg1"/>
-                </a:solidFill>
-              </a:rPr>
-              <a:t>DC </a:t>
-            </a:r>
-            <a:r>
-              <a:rPr lang="nl-NL" sz="2500" dirty="0" err="1">
-                <a:solidFill>
-                  <a:schemeClr val="bg1"/>
-                </a:solidFill>
-              </a:rPr>
-              <a:t>DC</a:t>
-            </a:r>
-            <a:r>
-              <a:rPr lang="nl-NL" sz="2500" dirty="0">
-                <a:solidFill>
-                  <a:schemeClr val="bg1"/>
-                </a:solidFill>
-              </a:rPr>
-              <a:t> Step Down</a:t>
-            </a:r>
-          </a:p>
-          <a:p>
-            <a:pPr marL="285750" indent="-285750">
-              <a:buFont typeface="Arial" panose="020B0604020202020204" pitchFamily="34" charset="0"/>
-              <a:buChar char="•"/>
-            </a:pPr>
-            <a:r>
-              <a:rPr lang="nl-NL" sz="2500" dirty="0">
-                <a:solidFill>
-                  <a:schemeClr val="bg1"/>
-                </a:solidFill>
-              </a:rPr>
-              <a:t>Media </a:t>
-            </a:r>
-            <a:r>
-              <a:rPr lang="nl-NL" sz="2500" dirty="0" err="1">
-                <a:solidFill>
-                  <a:schemeClr val="bg1"/>
-                </a:solidFill>
-              </a:rPr>
-              <a:t>Player</a:t>
-            </a:r>
-            <a:endParaRPr lang="nl-NL" sz="2500" dirty="0">
-              <a:solidFill>
-                <a:schemeClr val="bg1"/>
-              </a:solidFill>
-            </a:endParaRPr>
-          </a:p>
-          <a:p>
-            <a:pPr marL="285750" indent="-285750">
-              <a:buFont typeface="Arial" panose="020B0604020202020204" pitchFamily="34" charset="0"/>
-              <a:buChar char="•"/>
-            </a:pPr>
-            <a:r>
-              <a:rPr lang="nl-NL" sz="2500" dirty="0">
-                <a:solidFill>
-                  <a:schemeClr val="bg1"/>
-                </a:solidFill>
-              </a:rPr>
-              <a:t>Aluminium Tape</a:t>
-            </a:r>
-          </a:p>
-          <a:p>
-            <a:pPr marL="285750" indent="-285750">
-              <a:buFont typeface="Arial" panose="020B0604020202020204" pitchFamily="34" charset="0"/>
-              <a:buChar char="•"/>
-            </a:pPr>
-            <a:r>
-              <a:rPr lang="nl-NL" sz="2500" dirty="0" err="1">
-                <a:solidFill>
-                  <a:schemeClr val="bg1"/>
-                </a:solidFill>
-              </a:rPr>
-              <a:t>Ruberen</a:t>
-            </a:r>
-            <a:r>
-              <a:rPr lang="nl-NL" sz="2500" dirty="0">
-                <a:solidFill>
-                  <a:schemeClr val="bg1"/>
-                </a:solidFill>
-              </a:rPr>
-              <a:t> Strip</a:t>
-            </a:r>
-          </a:p>
-          <a:p>
-            <a:pPr marL="285750" indent="-285750">
-              <a:buFont typeface="Arial" panose="020B0604020202020204" pitchFamily="34" charset="0"/>
-              <a:buChar char="•"/>
-            </a:pPr>
-            <a:r>
-              <a:rPr lang="nl-NL" sz="2500" dirty="0" err="1">
-                <a:solidFill>
-                  <a:schemeClr val="bg1"/>
-                </a:solidFill>
-              </a:rPr>
-              <a:t>Polycarbonate</a:t>
-            </a:r>
-            <a:r>
-              <a:rPr lang="nl-NL" sz="2500" dirty="0">
-                <a:solidFill>
-                  <a:schemeClr val="bg1"/>
-                </a:solidFill>
-              </a:rPr>
-              <a:t> (5mm)</a:t>
-            </a:r>
-          </a:p>
-          <a:p>
-            <a:pPr marL="285750" indent="-285750">
-              <a:buFont typeface="Arial" panose="020B0604020202020204" pitchFamily="34" charset="0"/>
-              <a:buChar char="•"/>
-            </a:pPr>
-            <a:r>
-              <a:rPr lang="nl-NL" sz="2500" dirty="0">
-                <a:solidFill>
-                  <a:schemeClr val="bg1"/>
-                </a:solidFill>
-              </a:rPr>
-              <a:t>Power Supply</a:t>
-            </a:r>
-            <a:endParaRPr lang="nl-BE" sz="2500" dirty="0">
-              <a:solidFill>
-                <a:schemeClr val="bg1"/>
-              </a:solidFill>
-            </a:endParaRPr>
-          </a:p>
-        </p:txBody>
-      </p:sp>
-    </p:spTree>
-    <p:extLst>
-      <p:ext uri="{BB962C8B-B14F-4D97-AF65-F5344CB8AC3E}">
-        <p14:creationId xmlns:p14="http://schemas.microsoft.com/office/powerpoint/2010/main" val="694310492"/>
-      </p:ext>
-    </p:extLst>
-  </p:cSld>
-  <p:clrMapOvr>
-    <a:masterClrMapping/>
-  </p:clrMapOvr>
-</p:sld>
-</file>
-
-<file path=ppt/slides/slide9.xml><?xml version="1.0" encoding="utf-8"?>
-<p:sld xmlns:a="http://schemas.openxmlformats.org/drawingml/2006/main" xmlns:r="http://schemas.openxmlformats.org/officeDocument/2006/relationships" xmlns:p="http://schemas.openxmlformats.org/presentationml/2006/main">
-  <p:cSld>
-    <p:bg>
-      <p:bgPr>
-        <a:solidFill>
-          <a:schemeClr val="accent1"/>
-        </a:solidFill>
-        <a:effectLst/>
-      </p:bgPr>
-    </p:bg>
-    <p:spTree>
-      <p:nvGrpSpPr>
-        <p:cNvPr id="1" name=""/>
-        <p:cNvGrpSpPr/>
-        <p:nvPr/>
-      </p:nvGrpSpPr>
-      <p:grpSpPr>
-        <a:xfrm>
-          <a:off x="0" y="0"/>
-          <a:ext cx="0" cy="0"/>
-          <a:chOff x="0" y="0"/>
-          <a:chExt cx="0" cy="0"/>
-        </a:xfrm>
-      </p:grpSpPr>
-      <p:sp>
-        <p:nvSpPr>
-          <p:cNvPr id="2" name="Titel 1">
-            <a:extLst>
-              <a:ext uri="{FF2B5EF4-FFF2-40B4-BE49-F238E27FC236}">
-                <a16:creationId xmlns:a16="http://schemas.microsoft.com/office/drawing/2014/main" id="{50246188-52BC-B86E-EEA8-84C7F7BCC69A}"/>
-              </a:ext>
-            </a:extLst>
-          </p:cNvPr>
-          <p:cNvSpPr>
-            <a:spLocks noGrp="1"/>
-          </p:cNvSpPr>
-          <p:nvPr>
-            <p:ph type="title"/>
-          </p:nvPr>
-        </p:nvSpPr>
-        <p:spPr>
-          <a:xfrm>
-            <a:off x="704850" y="770467"/>
-            <a:ext cx="10782300" cy="3294159"/>
-          </a:xfrm>
-        </p:spPr>
-        <p:txBody>
-          <a:bodyPr vert="horz" lIns="91440" tIns="45720" rIns="91440" bIns="45720" rtlCol="0" anchor="b">
-            <a:normAutofit/>
-          </a:bodyPr>
-          <a:lstStyle/>
-          <a:p>
-            <a:pPr algn="ctr">
-              <a:lnSpc>
-                <a:spcPct val="80000"/>
-              </a:lnSpc>
-            </a:pPr>
-            <a:endParaRPr lang="en-US" sz="6600">
-              <a:solidFill>
-                <a:srgbClr val="FFFFFF"/>
-              </a:solidFill>
-            </a:endParaRPr>
-          </a:p>
-        </p:txBody>
-      </p:sp>
-    </p:spTree>
-    <p:extLst>
-      <p:ext uri="{BB962C8B-B14F-4D97-AF65-F5344CB8AC3E}">
-        <p14:creationId xmlns:p14="http://schemas.microsoft.com/office/powerpoint/2010/main" val="3961560492"/>
       </p:ext>
     </p:extLst>
   </p:cSld>
